--- a/JS/010_lesson/Presentation/http_protocol_ajax.pptx
+++ b/JS/010_lesson/Presentation/http_protocol_ajax.pptx
@@ -242,7 +242,7 @@
             <a:fld id="{C1951A84-8083-4F68-A786-57C80B44AB3C}" type="datetimeFigureOut">
               <a:rPr lang="en-US" smtClean="0"/>
               <a:pPr/>
-              <a:t>8/3/2016</a:t>
+              <a:t>4/3/2017</a:t>
             </a:fld>
             <a:endParaRPr lang="en-US"/>
           </a:p>
@@ -409,7 +409,7 @@
             <a:fld id="{F938EB94-4B54-4539-BEE7-C3885B42E71C}" type="datetimeFigureOut">
               <a:rPr lang="en-US" smtClean="0"/>
               <a:pPr/>
-              <a:t>8/3/2016</a:t>
+              <a:t>4/3/2017</a:t>
             </a:fld>
             <a:endParaRPr lang="en-US"/>
           </a:p>
@@ -2300,18 +2300,25 @@
           </a:p>
           <a:p>
             <a:r>
-              <a:rPr lang="ru-RU" dirty="0" err="1">
+              <a:rPr lang="ru-RU" dirty="0">
                 <a:latin typeface="Calibri" pitchFamily="34" charset="0"/>
                 <a:cs typeface="Calibri" pitchFamily="34" charset="0"/>
               </a:rPr>
-              <a:t>HTTP</a:t>
+              <a:t>HTTP -</a:t>
+            </a:r>
+            <a:r>
+              <a:rPr lang="en-US" dirty="0">
+                <a:latin typeface="Calibri" pitchFamily="34" charset="0"/>
+                <a:cs typeface="Calibri" pitchFamily="34" charset="0"/>
+              </a:rPr>
+              <a:t> </a:t>
             </a:r>
             <a:r>
               <a:rPr lang="ru-RU" dirty="0">
                 <a:latin typeface="Calibri" pitchFamily="34" charset="0"/>
                 <a:cs typeface="Calibri" pitchFamily="34" charset="0"/>
               </a:rPr>
-              <a:t> -это протокол прикладного уровня для передачи данных от браузера к серверу и обратно. </a:t>
+              <a:t>это протокол прикладного уровня для передачи данных от браузера к серверу и обратно. </a:t>
             </a:r>
             <a:r>
               <a:rPr lang="ru-RU" dirty="0" err="1">
@@ -2986,7 +2993,13 @@
           <p:cNvGraphicFramePr>
             <a:graphicFrameLocks noGrp="1"/>
           </p:cNvGraphicFramePr>
-          <p:nvPr/>
+          <p:nvPr>
+            <p:extLst>
+              <p:ext uri="{D42A27DB-BD31-4B8C-83A1-F6EECF244321}">
+                <p14:modId xmlns:p14="http://schemas.microsoft.com/office/powerpoint/2010/main" val="876134910"/>
+              </p:ext>
+            </p:extLst>
+          </p:nvPr>
         </p:nvGraphicFramePr>
         <p:xfrm>
           <a:off x="914400" y="1474470"/>
@@ -3517,84 +3530,14 @@
                 <a:latin typeface="Calibri" pitchFamily="34" charset="0"/>
                 <a:cs typeface="Calibri" pitchFamily="34" charset="0"/>
               </a:rPr>
-              <a:t>Модель для </a:t>
+              <a:t>Модель для запросов данных от сервера в фоновом режиме, без перезагрузки веб-</a:t>
             </a:r>
             <a:r>
               <a:rPr lang="uk-UA" dirty="0" err="1">
                 <a:latin typeface="Calibri" pitchFamily="34" charset="0"/>
                 <a:cs typeface="Calibri" pitchFamily="34" charset="0"/>
               </a:rPr>
-              <a:t>запросов</a:t>
-            </a:r>
-            <a:r>
-              <a:rPr lang="uk-UA" dirty="0">
-                <a:latin typeface="Calibri" pitchFamily="34" charset="0"/>
-                <a:cs typeface="Calibri" pitchFamily="34" charset="0"/>
-              </a:rPr>
-              <a:t> </a:t>
-            </a:r>
-            <a:r>
-              <a:rPr lang="uk-UA" dirty="0" err="1">
-                <a:latin typeface="Calibri" pitchFamily="34" charset="0"/>
-                <a:cs typeface="Calibri" pitchFamily="34" charset="0"/>
-              </a:rPr>
-              <a:t>данных</a:t>
-            </a:r>
-            <a:r>
-              <a:rPr lang="uk-UA" dirty="0">
-                <a:latin typeface="Calibri" pitchFamily="34" charset="0"/>
-                <a:cs typeface="Calibri" pitchFamily="34" charset="0"/>
-              </a:rPr>
-              <a:t> от сервера в </a:t>
-            </a:r>
-            <a:r>
-              <a:rPr lang="uk-UA" dirty="0" err="1">
-                <a:latin typeface="Calibri" pitchFamily="34" charset="0"/>
-                <a:cs typeface="Calibri" pitchFamily="34" charset="0"/>
-              </a:rPr>
-              <a:t>фоновом</a:t>
-            </a:r>
-            <a:r>
-              <a:rPr lang="uk-UA" dirty="0">
-                <a:latin typeface="Calibri" pitchFamily="34" charset="0"/>
-                <a:cs typeface="Calibri" pitchFamily="34" charset="0"/>
-              </a:rPr>
-              <a:t> </a:t>
-            </a:r>
-            <a:r>
-              <a:rPr lang="uk-UA" dirty="0" err="1">
-                <a:latin typeface="Calibri" pitchFamily="34" charset="0"/>
-                <a:cs typeface="Calibri" pitchFamily="34" charset="0"/>
-              </a:rPr>
-              <a:t>режиме</a:t>
-            </a:r>
-            <a:r>
-              <a:rPr lang="uk-UA" dirty="0">
-                <a:latin typeface="Calibri" pitchFamily="34" charset="0"/>
-                <a:cs typeface="Calibri" pitchFamily="34" charset="0"/>
-              </a:rPr>
-              <a:t>, без </a:t>
-            </a:r>
-            <a:r>
-              <a:rPr lang="uk-UA" dirty="0" err="1">
-                <a:latin typeface="Calibri" pitchFamily="34" charset="0"/>
-                <a:cs typeface="Calibri" pitchFamily="34" charset="0"/>
-              </a:rPr>
-              <a:t>перезагрузки</a:t>
-            </a:r>
-            <a:r>
-              <a:rPr lang="uk-UA" dirty="0">
-                <a:latin typeface="Calibri" pitchFamily="34" charset="0"/>
-                <a:cs typeface="Calibri" pitchFamily="34" charset="0"/>
-              </a:rPr>
-              <a:t> </a:t>
-            </a:r>
-            <a:r>
-              <a:rPr lang="uk-UA" dirty="0" err="1">
-                <a:latin typeface="Calibri" pitchFamily="34" charset="0"/>
-                <a:cs typeface="Calibri" pitchFamily="34" charset="0"/>
-              </a:rPr>
-              <a:t>веб-страницы</a:t>
+              <a:t>страницы</a:t>
             </a:r>
             <a:r>
               <a:rPr lang="uk-UA" dirty="0">
